--- a/每日晨会/2017-MEM-2-9-0914.pptx
+++ b/每日晨会/2017-MEM-2-9-0914.pptx
@@ -5,7 +5,7 @@
     <p:sldMasterId id="2147483648" r:id="rId1"/>
   </p:sldMasterIdLst>
   <p:notesMasterIdLst>
-    <p:notesMasterId r:id="rId16"/>
+    <p:notesMasterId r:id="rId15"/>
   </p:notesMasterIdLst>
   <p:sldIdLst>
     <p:sldId id="301" r:id="rId2"/>
@@ -18,10 +18,9 @@
     <p:sldId id="323" r:id="rId9"/>
     <p:sldId id="326" r:id="rId10"/>
     <p:sldId id="327" r:id="rId11"/>
-    <p:sldId id="320" r:id="rId12"/>
-    <p:sldId id="328" r:id="rId13"/>
-    <p:sldId id="325" r:id="rId14"/>
-    <p:sldId id="319" r:id="rId15"/>
+    <p:sldId id="328" r:id="rId12"/>
+    <p:sldId id="325" r:id="rId13"/>
+    <p:sldId id="319" r:id="rId14"/>
   </p:sldIdLst>
   <p:sldSz cx="12192000" cy="6858000"/>
   <p:notesSz cx="6858000" cy="9144000"/>
@@ -1577,330 +1576,6 @@
                     <a:lumMod val="95000"/>
                   </a:schemeClr>
                 </a:solidFill>
-                <a:latin typeface="微软雅黑" panose="020B0503020204020204" pitchFamily="34" charset="-122"/>
-                <a:ea typeface="微软雅黑" panose="020B0503020204020204" pitchFamily="34" charset="-122"/>
-              </a:rPr>
-              <a:t>合弄制</a:t>
-            </a:r>
-          </a:p>
-        </p:txBody>
-      </p:sp>
-      <p:sp>
-        <p:nvSpPr>
-          <p:cNvPr id="39" name="矩形 38">
-            <a:extLst>
-              <a:ext uri="{FF2B5EF4-FFF2-40B4-BE49-F238E27FC236}">
-                <a16:creationId xmlns:a16="http://schemas.microsoft.com/office/drawing/2014/main" id="{5546FDC9-D1E5-4B4A-AA2F-E867BFB01828}"/>
-              </a:ext>
-            </a:extLst>
-          </p:cNvPr>
-          <p:cNvSpPr/>
-          <p:nvPr/>
-        </p:nvSpPr>
-        <p:spPr>
-          <a:xfrm>
-            <a:off x="28575" y="643657"/>
-            <a:ext cx="1391097" cy="523220"/>
-          </a:xfrm>
-          <a:prstGeom prst="rect">
-            <a:avLst/>
-          </a:prstGeom>
-        </p:spPr>
-        <p:txBody>
-          <a:bodyPr wrap="square">
-            <a:spAutoFit/>
-          </a:bodyPr>
-          <a:lstStyle/>
-          <a:p>
-            <a:pPr lvl="0"/>
-            <a:r>
-              <a:rPr lang="en-US" altLang="zh-CN" sz="2800" dirty="0">
-                <a:solidFill>
-                  <a:schemeClr val="bg1">
-                    <a:lumMod val="95000"/>
-                  </a:schemeClr>
-                </a:solidFill>
-                <a:latin typeface="Gulim" panose="020B0600000101010101" pitchFamily="34" charset="-127"/>
-                <a:ea typeface="Gulim" panose="020B0600000101010101" pitchFamily="34" charset="-127"/>
-              </a:rPr>
-              <a:t>THREE</a:t>
-            </a:r>
-            <a:endParaRPr lang="zh-CN" altLang="en-US" sz="2800" dirty="0">
-              <a:solidFill>
-                <a:schemeClr val="bg1">
-                  <a:lumMod val="95000"/>
-                </a:schemeClr>
-              </a:solidFill>
-              <a:latin typeface="Gulim" panose="020B0600000101010101" pitchFamily="34" charset="-127"/>
-              <a:ea typeface="Gulim" panose="020B0600000101010101" pitchFamily="34" charset="-127"/>
-            </a:endParaRPr>
-          </a:p>
-        </p:txBody>
-      </p:sp>
-      <p:sp>
-        <p:nvSpPr>
-          <p:cNvPr id="40" name="等腰三角形 39">
-            <a:extLst>
-              <a:ext uri="{FF2B5EF4-FFF2-40B4-BE49-F238E27FC236}">
-                <a16:creationId xmlns:a16="http://schemas.microsoft.com/office/drawing/2014/main" id="{30A291EA-675C-4096-9744-F1DA632D0762}"/>
-              </a:ext>
-            </a:extLst>
-          </p:cNvPr>
-          <p:cNvSpPr/>
-          <p:nvPr/>
-        </p:nvSpPr>
-        <p:spPr>
-          <a:xfrm rot="5400000">
-            <a:off x="1402438" y="909366"/>
-            <a:ext cx="238991" cy="192360"/>
-          </a:xfrm>
-          <a:prstGeom prst="triangle">
-            <a:avLst/>
-          </a:prstGeom>
-          <a:solidFill>
-            <a:schemeClr val="bg1"/>
-          </a:solidFill>
-          <a:ln>
-            <a:noFill/>
-          </a:ln>
-        </p:spPr>
-        <p:style>
-          <a:lnRef idx="2">
-            <a:schemeClr val="accent1">
-              <a:shade val="50000"/>
-            </a:schemeClr>
-          </a:lnRef>
-          <a:fillRef idx="1">
-            <a:schemeClr val="accent1"/>
-          </a:fillRef>
-          <a:effectRef idx="0">
-            <a:schemeClr val="accent1"/>
-          </a:effectRef>
-          <a:fontRef idx="minor">
-            <a:schemeClr val="lt1"/>
-          </a:fontRef>
-        </p:style>
-        <p:txBody>
-          <a:bodyPr rtlCol="0" anchor="ctr"/>
-          <a:lstStyle/>
-          <a:p>
-            <a:pPr algn="ctr"/>
-            <a:endParaRPr lang="zh-CN" altLang="en-US"/>
-          </a:p>
-        </p:txBody>
-      </p:sp>
-      <p:sp>
-        <p:nvSpPr>
-          <p:cNvPr id="11" name="文本框 10">
-            <a:extLst>
-              <a:ext uri="{FF2B5EF4-FFF2-40B4-BE49-F238E27FC236}">
-                <a16:creationId xmlns:a16="http://schemas.microsoft.com/office/drawing/2014/main" id="{A945F85B-6E6D-4A94-8D2D-C049FDC7B1DD}"/>
-              </a:ext>
-            </a:extLst>
-          </p:cNvPr>
-          <p:cNvSpPr txBox="1"/>
-          <p:nvPr/>
-        </p:nvSpPr>
-        <p:spPr>
-          <a:xfrm>
-            <a:off x="1150533" y="565663"/>
-            <a:ext cx="623003" cy="400110"/>
-          </a:xfrm>
-          <a:prstGeom prst="rect">
-            <a:avLst/>
-          </a:prstGeom>
-          <a:noFill/>
-        </p:spPr>
-        <p:txBody>
-          <a:bodyPr wrap="square" rtlCol="0">
-            <a:spAutoFit/>
-          </a:bodyPr>
-          <a:lstStyle/>
-          <a:p>
-            <a:r>
-              <a:rPr lang="en-US" altLang="zh-CN" sz="2000" dirty="0">
-                <a:solidFill>
-                  <a:schemeClr val="bg1"/>
-                </a:solidFill>
-                <a:latin typeface="Gulim" panose="020B0600000101010101" pitchFamily="34" charset="-127"/>
-                <a:ea typeface="Gulim" panose="020B0600000101010101" pitchFamily="34" charset="-127"/>
-              </a:rPr>
-              <a:t>4</a:t>
-            </a:r>
-            <a:r>
-              <a:rPr lang="en-US" altLang="zh-CN" sz="900" dirty="0">
-                <a:solidFill>
-                  <a:schemeClr val="bg1"/>
-                </a:solidFill>
-                <a:latin typeface="Gulim" panose="020B0600000101010101" pitchFamily="34" charset="-127"/>
-                <a:ea typeface="Gulim" panose="020B0600000101010101" pitchFamily="34" charset="-127"/>
-              </a:rPr>
-              <a:t> </a:t>
-            </a:r>
-          </a:p>
-        </p:txBody>
-      </p:sp>
-    </p:spTree>
-    <p:extLst>
-      <p:ext uri="{BB962C8B-B14F-4D97-AF65-F5344CB8AC3E}">
-        <p14:creationId xmlns:p14="http://schemas.microsoft.com/office/powerpoint/2010/main" val="1280438023"/>
-      </p:ext>
-    </p:extLst>
-  </p:cSld>
-  <p:clrMapOvr>
-    <a:masterClrMapping/>
-  </p:clrMapOvr>
-</p:sld>
-</file>
-
-<file path=ppt/slides/slide12.xml><?xml version="1.0" encoding="utf-8"?>
-<p:sld xmlns:a="http://schemas.openxmlformats.org/drawingml/2006/main" xmlns:r="http://schemas.openxmlformats.org/officeDocument/2006/relationships" xmlns:p="http://schemas.openxmlformats.org/presentationml/2006/main">
-  <p:cSld>
-    <p:spTree>
-      <p:nvGrpSpPr>
-        <p:cNvPr id="1" name=""/>
-        <p:cNvGrpSpPr/>
-        <p:nvPr/>
-      </p:nvGrpSpPr>
-      <p:grpSpPr>
-        <a:xfrm>
-          <a:off x="0" y="0"/>
-          <a:ext cx="0" cy="0"/>
-          <a:chOff x="0" y="0"/>
-          <a:chExt cx="0" cy="0"/>
-        </a:xfrm>
-      </p:grpSpPr>
-      <p:sp>
-        <p:nvSpPr>
-          <p:cNvPr id="27" name="文本框 26">
-            <a:extLst>
-              <a:ext uri="{FF2B5EF4-FFF2-40B4-BE49-F238E27FC236}">
-                <a16:creationId xmlns:a16="http://schemas.microsoft.com/office/drawing/2014/main" id="{C322FC0E-A024-4279-AD79-B3CC78905E6B}"/>
-              </a:ext>
-            </a:extLst>
-          </p:cNvPr>
-          <p:cNvSpPr txBox="1"/>
-          <p:nvPr/>
-        </p:nvSpPr>
-        <p:spPr>
-          <a:xfrm>
-            <a:off x="28576" y="98617"/>
-            <a:ext cx="5035018" cy="707886"/>
-          </a:xfrm>
-          <a:prstGeom prst="rect">
-            <a:avLst/>
-          </a:prstGeom>
-          <a:noFill/>
-        </p:spPr>
-        <p:txBody>
-          <a:bodyPr wrap="square" rtlCol="0">
-            <a:spAutoFit/>
-          </a:bodyPr>
-          <a:lstStyle/>
-          <a:p>
-            <a:r>
-              <a:rPr lang="en-US" altLang="zh-CN" sz="4000" dirty="0">
-                <a:solidFill>
-                  <a:schemeClr val="bg1">
-                    <a:lumMod val="95000"/>
-                  </a:schemeClr>
-                </a:solidFill>
-                <a:latin typeface="Gulim" panose="020B0600000101010101" pitchFamily="34" charset="-127"/>
-                <a:ea typeface="Gulim" panose="020B0600000101010101" pitchFamily="34" charset="-127"/>
-              </a:rPr>
-              <a:t>PART</a:t>
-            </a:r>
-            <a:r>
-              <a:rPr lang="en-US" altLang="zh-CN" sz="1400" dirty="0">
-                <a:solidFill>
-                  <a:schemeClr val="bg1">
-                    <a:lumMod val="95000"/>
-                  </a:schemeClr>
-                </a:solidFill>
-                <a:latin typeface="Gulim" panose="020B0600000101010101" pitchFamily="34" charset="-127"/>
-                <a:ea typeface="Gulim" panose="020B0600000101010101" pitchFamily="34" charset="-127"/>
-              </a:rPr>
-              <a:t> </a:t>
-            </a:r>
-          </a:p>
-        </p:txBody>
-      </p:sp>
-      <p:cxnSp>
-        <p:nvCxnSpPr>
-          <p:cNvPr id="28" name="直接连接符 27">
-            <a:extLst>
-              <a:ext uri="{FF2B5EF4-FFF2-40B4-BE49-F238E27FC236}">
-                <a16:creationId xmlns:a16="http://schemas.microsoft.com/office/drawing/2014/main" id="{A3E1DE74-602A-489E-883D-F6661DE1988D}"/>
-              </a:ext>
-            </a:extLst>
-          </p:cNvPr>
-          <p:cNvCxnSpPr/>
-          <p:nvPr/>
-        </p:nvCxnSpPr>
-        <p:spPr>
-          <a:xfrm>
-            <a:off x="1805384" y="274664"/>
-            <a:ext cx="0" cy="850378"/>
-          </a:xfrm>
-          <a:prstGeom prst="line">
-            <a:avLst/>
-          </a:prstGeom>
-          <a:ln w="28575">
-            <a:solidFill>
-              <a:schemeClr val="bg1"/>
-            </a:solidFill>
-          </a:ln>
-        </p:spPr>
-        <p:style>
-          <a:lnRef idx="1">
-            <a:schemeClr val="accent1"/>
-          </a:lnRef>
-          <a:fillRef idx="0">
-            <a:schemeClr val="accent1"/>
-          </a:fillRef>
-          <a:effectRef idx="0">
-            <a:schemeClr val="accent1"/>
-          </a:effectRef>
-          <a:fontRef idx="minor">
-            <a:schemeClr val="tx1"/>
-          </a:fontRef>
-        </p:style>
-      </p:cxnSp>
-      <p:sp>
-        <p:nvSpPr>
-          <p:cNvPr id="36" name="矩形 35">
-            <a:extLst>
-              <a:ext uri="{FF2B5EF4-FFF2-40B4-BE49-F238E27FC236}">
-                <a16:creationId xmlns:a16="http://schemas.microsoft.com/office/drawing/2014/main" id="{D7063C47-E583-4797-91C9-3A3C59B76309}"/>
-              </a:ext>
-            </a:extLst>
-          </p:cNvPr>
-          <p:cNvSpPr/>
-          <p:nvPr/>
-        </p:nvSpPr>
-        <p:spPr>
-          <a:xfrm>
-            <a:off x="1900538" y="660837"/>
-            <a:ext cx="4939864" cy="523220"/>
-          </a:xfrm>
-          <a:prstGeom prst="rect">
-            <a:avLst/>
-          </a:prstGeom>
-        </p:spPr>
-        <p:txBody>
-          <a:bodyPr wrap="square">
-            <a:spAutoFit/>
-          </a:bodyPr>
-          <a:lstStyle/>
-          <a:p>
-            <a:pPr lvl="0"/>
-            <a:r>
-              <a:rPr lang="zh-CN" altLang="en-US" sz="2800" dirty="0">
-                <a:solidFill>
-                  <a:schemeClr val="bg1">
-                    <a:lumMod val="95000"/>
-                  </a:schemeClr>
-                </a:solidFill>
                 <a:latin typeface="Gulim" panose="020B0600000101010101" pitchFamily="34" charset="-127"/>
                 <a:ea typeface="Gulim" panose="020B0600000101010101" pitchFamily="34" charset="-127"/>
               </a:rPr>
@@ -2391,7 +2066,7 @@
 </p:sld>
 </file>
 
-<file path=ppt/slides/slide13.xml><?xml version="1.0" encoding="utf-8"?>
+<file path=ppt/slides/slide12.xml><?xml version="1.0" encoding="utf-8"?>
 <p:sld xmlns:a="http://schemas.openxmlformats.org/drawingml/2006/main" xmlns:r="http://schemas.openxmlformats.org/officeDocument/2006/relationships" xmlns:p="http://schemas.openxmlformats.org/presentationml/2006/main">
   <p:cSld>
     <p:spTree>
@@ -2957,7 +2632,7 @@
 </p:sld>
 </file>
 
-<file path=ppt/slides/slide14.xml><?xml version="1.0" encoding="utf-8"?>
+<file path=ppt/slides/slide13.xml><?xml version="1.0" encoding="utf-8"?>
 <p:sld xmlns:a="http://schemas.openxmlformats.org/drawingml/2006/main" xmlns:r="http://schemas.openxmlformats.org/officeDocument/2006/relationships" xmlns:p="http://schemas.openxmlformats.org/presentationml/2006/main">
   <p:cSld>
     <p:spTree>

--- a/每日晨会/2017-MEM-2-9-0914.pptx
+++ b/每日晨会/2017-MEM-2-9-0914.pptx
@@ -1724,7 +1724,7 @@
                 <a:latin typeface="Gulim" panose="020B0600000101010101" pitchFamily="34" charset="-127"/>
                 <a:ea typeface="Gulim" panose="020B0600000101010101" pitchFamily="34" charset="-127"/>
               </a:rPr>
-              <a:t>5</a:t>
+              <a:t>4</a:t>
             </a:r>
             <a:r>
               <a:rPr lang="en-US" altLang="zh-CN" sz="900" dirty="0">
@@ -2362,7 +2362,7 @@
                 <a:latin typeface="Gulim" panose="020B0600000101010101" pitchFamily="34" charset="-127"/>
                 <a:ea typeface="Gulim" panose="020B0600000101010101" pitchFamily="34" charset="-127"/>
               </a:rPr>
-              <a:t>6</a:t>
+              <a:t>5</a:t>
             </a:r>
             <a:r>
               <a:rPr lang="en-US" altLang="zh-CN" sz="900" dirty="0">
